--- a/TP3/TP3_Grupo12.pptx
+++ b/TP3/TP3_Grupo12.pptx
@@ -24,11 +24,14 @@
     <p:sldId id="300" r:id="rId18"/>
     <p:sldId id="301" r:id="rId19"/>
     <p:sldId id="303" r:id="rId20"/>
-    <p:sldId id="291" r:id="rId21"/>
-    <p:sldId id="310" r:id="rId22"/>
-    <p:sldId id="311" r:id="rId23"/>
-    <p:sldId id="307" r:id="rId24"/>
-    <p:sldId id="293" r:id="rId25"/>
+    <p:sldId id="312" r:id="rId21"/>
+    <p:sldId id="313" r:id="rId22"/>
+    <p:sldId id="314" r:id="rId23"/>
+    <p:sldId id="291" r:id="rId24"/>
+    <p:sldId id="310" r:id="rId25"/>
+    <p:sldId id="311" r:id="rId26"/>
+    <p:sldId id="307" r:id="rId27"/>
+    <p:sldId id="293" r:id="rId28"/>
   </p:sldIdLst>
   <p:sldSz cx="12192000" cy="6858000"/>
   <p:notesSz cx="6858000" cy="9144000"/>
@@ -139,7 +142,7 @@
 <p1510:revInfo xmlns:a="http://schemas.openxmlformats.org/drawingml/2006/main" xmlns:r="http://schemas.openxmlformats.org/officeDocument/2006/relationships" xmlns:p1510="http://schemas.microsoft.com/office/powerpoint/2015/10/main">
   <p1510:revLst>
     <p1510:client id="{399F4D96-0FF0-45CC-89CC-9982CBE5BBE2}" v="70" dt="2023-01-12T19:02:20.203"/>
-    <p1510:client id="{930E4540-302B-49A4-9330-3D1412466C29}" v="20" dt="2023-01-11T19:55:59.832"/>
+    <p1510:client id="{7F11262A-6660-46AD-B94E-64ABBD109E82}" v="1" dt="2023-01-12T23:34:44.576"/>
   </p1510:revLst>
 </p1510:revInfo>
 </file>
@@ -165,6 +168,68 @@
             <pc:docMk/>
             <pc:sldMk cId="3394526084" sldId="256"/>
             <ac:spMk id="5" creationId="{036B4F47-1C51-296F-1715-399BF0F7C0E1}"/>
+          </ac:spMkLst>
+        </pc:spChg>
+      </pc:sldChg>
+    </pc:docChg>
+  </pc:docChgLst>
+  <pc:docChgLst>
+    <pc:chgData name="Moises Pirela" userId="a07275d2963e6567" providerId="LiveId" clId="{7F11262A-6660-46AD-B94E-64ABBD109E82}"/>
+    <pc:docChg chg="addSld modSld">
+      <pc:chgData name="Moises Pirela" userId="a07275d2963e6567" providerId="LiveId" clId="{7F11262A-6660-46AD-B94E-64ABBD109E82}" dt="2023-01-12T23:35:07.303" v="12" actId="20577"/>
+      <pc:docMkLst>
+        <pc:docMk/>
+      </pc:docMkLst>
+      <pc:sldChg chg="modSp add mod">
+        <pc:chgData name="Moises Pirela" userId="a07275d2963e6567" providerId="LiveId" clId="{7F11262A-6660-46AD-B94E-64ABBD109E82}" dt="2023-01-12T23:34:51.151" v="4" actId="20577"/>
+        <pc:sldMkLst>
+          <pc:docMk/>
+          <pc:sldMk cId="1967670935" sldId="312"/>
+        </pc:sldMkLst>
+        <pc:spChg chg="mod">
+          <ac:chgData name="Moises Pirela" userId="a07275d2963e6567" providerId="LiveId" clId="{7F11262A-6660-46AD-B94E-64ABBD109E82}" dt="2023-01-12T23:34:51.151" v="4" actId="20577"/>
+          <ac:spMkLst>
+            <pc:docMk/>
+            <pc:sldMk cId="1967670935" sldId="312"/>
+            <ac:spMk id="4" creationId="{53A1716B-3977-2919-6710-44DBC7C30EA5}"/>
+          </ac:spMkLst>
+        </pc:spChg>
+      </pc:sldChg>
+      <pc:sldChg chg="modSp add mod">
+        <pc:chgData name="Moises Pirela" userId="a07275d2963e6567" providerId="LiveId" clId="{7F11262A-6660-46AD-B94E-64ABBD109E82}" dt="2023-01-12T23:34:55.615" v="6" actId="20577"/>
+        <pc:sldMkLst>
+          <pc:docMk/>
+          <pc:sldMk cId="1402079783" sldId="313"/>
+        </pc:sldMkLst>
+        <pc:spChg chg="mod">
+          <ac:chgData name="Moises Pirela" userId="a07275d2963e6567" providerId="LiveId" clId="{7F11262A-6660-46AD-B94E-64ABBD109E82}" dt="2023-01-12T23:34:55.615" v="6" actId="20577"/>
+          <ac:spMkLst>
+            <pc:docMk/>
+            <pc:sldMk cId="1402079783" sldId="313"/>
+            <ac:spMk id="4" creationId="{53A1716B-3977-2919-6710-44DBC7C30EA5}"/>
+          </ac:spMkLst>
+        </pc:spChg>
+      </pc:sldChg>
+      <pc:sldChg chg="modSp add mod">
+        <pc:chgData name="Moises Pirela" userId="a07275d2963e6567" providerId="LiveId" clId="{7F11262A-6660-46AD-B94E-64ABBD109E82}" dt="2023-01-12T23:35:07.303" v="12" actId="20577"/>
+        <pc:sldMkLst>
+          <pc:docMk/>
+          <pc:sldMk cId="837410839" sldId="314"/>
+        </pc:sldMkLst>
+        <pc:spChg chg="mod">
+          <ac:chgData name="Moises Pirela" userId="a07275d2963e6567" providerId="LiveId" clId="{7F11262A-6660-46AD-B94E-64ABBD109E82}" dt="2023-01-12T23:35:07.303" v="12" actId="20577"/>
+          <ac:spMkLst>
+            <pc:docMk/>
+            <pc:sldMk cId="837410839" sldId="314"/>
+            <ac:spMk id="4" creationId="{53A1716B-3977-2919-6710-44DBC7C30EA5}"/>
+          </ac:spMkLst>
+        </pc:spChg>
+        <pc:spChg chg="mod">
+          <ac:chgData name="Moises Pirela" userId="a07275d2963e6567" providerId="LiveId" clId="{7F11262A-6660-46AD-B94E-64ABBD109E82}" dt="2023-01-12T23:35:00.749" v="8" actId="20577"/>
+          <ac:spMkLst>
+            <pc:docMk/>
+            <pc:sldMk cId="837410839" sldId="314"/>
+            <ac:spMk id="11" creationId="{A6E57B31-226E-71D7-4F03-EE5E96B78CF3}"/>
           </ac:spMkLst>
         </pc:spChg>
       </pc:sldChg>
@@ -10131,6 +10196,1098 @@
       </p:grpSpPr>
       <p:sp>
         <p:nvSpPr>
+          <p:cNvPr id="3" name="Título 1">
+            <a:extLst>
+              <a:ext uri="{FF2B5EF4-FFF2-40B4-BE49-F238E27FC236}">
+                <a16:creationId xmlns:a16="http://schemas.microsoft.com/office/drawing/2014/main" id="{7D47CF6A-AFB5-9B6D-F53B-F3CC537CB6C1}"/>
+              </a:ext>
+            </a:extLst>
+          </p:cNvPr>
+          <p:cNvSpPr txBox="1">
+            <a:spLocks/>
+          </p:cNvSpPr>
+          <p:nvPr/>
+        </p:nvSpPr>
+        <p:spPr>
+          <a:xfrm>
+            <a:off x="222922" y="229856"/>
+            <a:ext cx="11252200" cy="640715"/>
+          </a:xfrm>
+          <a:prstGeom prst="rect">
+            <a:avLst/>
+          </a:prstGeom>
+        </p:spPr>
+        <p:txBody>
+          <a:bodyPr/>
+          <a:lstStyle>
+            <a:lvl1pPr algn="l" defTabSz="914400" rtl="0" eaLnBrk="1" latinLnBrk="0" hangingPunct="1">
+              <a:lnSpc>
+                <a:spcPct val="90000"/>
+              </a:lnSpc>
+              <a:spcBef>
+                <a:spcPct val="0"/>
+              </a:spcBef>
+              <a:buNone/>
+              <a:defRPr sz="4400" kern="1200">
+                <a:solidFill>
+                  <a:schemeClr val="tx1"/>
+                </a:solidFill>
+                <a:latin typeface="+mj-lt"/>
+                <a:ea typeface="+mj-ea"/>
+                <a:cs typeface="+mj-cs"/>
+              </a:defRPr>
+            </a:lvl1pPr>
+          </a:lstStyle>
+          <a:p>
+            <a:r>
+              <a:rPr lang="es-CO" sz="4000" dirty="0"/>
+              <a:t>KNN</a:t>
+            </a:r>
+          </a:p>
+        </p:txBody>
+      </p:sp>
+      <p:sp>
+        <p:nvSpPr>
+          <p:cNvPr id="4" name="TextBox 3">
+            <a:extLst>
+              <a:ext uri="{FF2B5EF4-FFF2-40B4-BE49-F238E27FC236}">
+                <a16:creationId xmlns:a16="http://schemas.microsoft.com/office/drawing/2014/main" id="{53A1716B-3977-2919-6710-44DBC7C30EA5}"/>
+              </a:ext>
+            </a:extLst>
+          </p:cNvPr>
+          <p:cNvSpPr txBox="1"/>
+          <p:nvPr/>
+        </p:nvSpPr>
+        <p:spPr>
+          <a:xfrm>
+            <a:off x="547924" y="855370"/>
+            <a:ext cx="5088380" cy="646331"/>
+          </a:xfrm>
+          <a:prstGeom prst="rect">
+            <a:avLst/>
+          </a:prstGeom>
+          <a:noFill/>
+        </p:spPr>
+        <p:txBody>
+          <a:bodyPr wrap="square" rtlCol="0">
+            <a:spAutoFit/>
+          </a:bodyPr>
+          <a:lstStyle/>
+          <a:p>
+            <a:r>
+              <a:rPr lang="en-US" b="1" dirty="0"/>
+              <a:t>      </a:t>
+            </a:r>
+            <a:r>
+              <a:rPr lang="en-US" b="1" u="sng" dirty="0"/>
+              <a:t>TODOS LOS DATOS (Sin </a:t>
+            </a:r>
+            <a:r>
+              <a:rPr lang="en-US" b="1" u="sng" dirty="0" err="1"/>
+              <a:t>Estandarización</a:t>
+            </a:r>
+            <a:r>
+              <a:rPr lang="en-US" b="1" u="sng" dirty="0"/>
+              <a:t>)</a:t>
+            </a:r>
+          </a:p>
+          <a:p>
+            <a:endParaRPr lang="en-US" b="1" dirty="0"/>
+          </a:p>
+        </p:txBody>
+      </p:sp>
+      <p:sp>
+        <p:nvSpPr>
+          <p:cNvPr id="11" name="CuadroTexto 10">
+            <a:extLst>
+              <a:ext uri="{FF2B5EF4-FFF2-40B4-BE49-F238E27FC236}">
+                <a16:creationId xmlns:a16="http://schemas.microsoft.com/office/drawing/2014/main" id="{A6E57B31-226E-71D7-4F03-EE5E96B78CF3}"/>
+              </a:ext>
+            </a:extLst>
+          </p:cNvPr>
+          <p:cNvSpPr txBox="1"/>
+          <p:nvPr/>
+        </p:nvSpPr>
+        <p:spPr>
+          <a:xfrm>
+            <a:off x="6505571" y="859050"/>
+            <a:ext cx="5588203" cy="369332"/>
+          </a:xfrm>
+          <a:prstGeom prst="rect">
+            <a:avLst/>
+          </a:prstGeom>
+          <a:noFill/>
+        </p:spPr>
+        <p:txBody>
+          <a:bodyPr wrap="square">
+            <a:spAutoFit/>
+          </a:bodyPr>
+          <a:lstStyle/>
+          <a:p>
+            <a:pPr algn="ctr"/>
+            <a:r>
+              <a:rPr lang="en-US" b="1" u="sng" dirty="0"/>
+              <a:t>TODOS LOS DATOS (</a:t>
+            </a:r>
+            <a:r>
+              <a:rPr lang="en-US" b="1" u="sng" dirty="0" err="1"/>
+              <a:t>Estandarizados</a:t>
+            </a:r>
+            <a:r>
+              <a:rPr lang="en-US" b="1" u="sng" dirty="0"/>
+              <a:t>)</a:t>
+            </a:r>
+          </a:p>
+        </p:txBody>
+      </p:sp>
+      <p:sp>
+        <p:nvSpPr>
+          <p:cNvPr id="15" name="CuadroTexto 14">
+            <a:extLst>
+              <a:ext uri="{FF2B5EF4-FFF2-40B4-BE49-F238E27FC236}">
+                <a16:creationId xmlns:a16="http://schemas.microsoft.com/office/drawing/2014/main" id="{DD367D12-4192-9AC8-EF6C-6450CBCD2DB3}"/>
+              </a:ext>
+            </a:extLst>
+          </p:cNvPr>
+          <p:cNvSpPr txBox="1"/>
+          <p:nvPr/>
+        </p:nvSpPr>
+        <p:spPr>
+          <a:xfrm>
+            <a:off x="2074424" y="1464927"/>
+            <a:ext cx="1777729" cy="646331"/>
+          </a:xfrm>
+          <a:prstGeom prst="rect">
+            <a:avLst/>
+          </a:prstGeom>
+          <a:noFill/>
+        </p:spPr>
+        <p:txBody>
+          <a:bodyPr wrap="square">
+            <a:spAutoFit/>
+          </a:bodyPr>
+          <a:lstStyle/>
+          <a:p>
+            <a:pPr algn="ctr"/>
+            <a:r>
+              <a:rPr lang="en-US" dirty="0"/>
+              <a:t>Precision : 0.98 </a:t>
+            </a:r>
+          </a:p>
+          <a:p>
+            <a:pPr algn="ctr"/>
+            <a:r>
+              <a:rPr lang="en-US" dirty="0"/>
+              <a:t>Recall: 0.92</a:t>
+            </a:r>
+          </a:p>
+        </p:txBody>
+      </p:sp>
+      <p:sp>
+        <p:nvSpPr>
+          <p:cNvPr id="16" name="CuadroTexto 15">
+            <a:extLst>
+              <a:ext uri="{FF2B5EF4-FFF2-40B4-BE49-F238E27FC236}">
+                <a16:creationId xmlns:a16="http://schemas.microsoft.com/office/drawing/2014/main" id="{B8DFCE2E-8947-69E3-4014-45983FFE2179}"/>
+              </a:ext>
+            </a:extLst>
+          </p:cNvPr>
+          <p:cNvSpPr txBox="1"/>
+          <p:nvPr/>
+        </p:nvSpPr>
+        <p:spPr>
+          <a:xfrm>
+            <a:off x="7894837" y="1453614"/>
+            <a:ext cx="1777729" cy="646331"/>
+          </a:xfrm>
+          <a:prstGeom prst="rect">
+            <a:avLst/>
+          </a:prstGeom>
+          <a:noFill/>
+        </p:spPr>
+        <p:txBody>
+          <a:bodyPr wrap="square">
+            <a:spAutoFit/>
+          </a:bodyPr>
+          <a:lstStyle/>
+          <a:p>
+            <a:pPr algn="ctr"/>
+            <a:r>
+              <a:rPr lang="en-US" dirty="0"/>
+              <a:t>Precision : 1 </a:t>
+            </a:r>
+          </a:p>
+          <a:p>
+            <a:pPr algn="ctr"/>
+            <a:r>
+              <a:rPr lang="en-US" dirty="0"/>
+              <a:t>Recall: 0.65</a:t>
+            </a:r>
+          </a:p>
+        </p:txBody>
+      </p:sp>
+      <p:pic>
+        <p:nvPicPr>
+          <p:cNvPr id="8" name="Imagen 7">
+            <a:extLst>
+              <a:ext uri="{FF2B5EF4-FFF2-40B4-BE49-F238E27FC236}">
+                <a16:creationId xmlns:a16="http://schemas.microsoft.com/office/drawing/2014/main" id="{F3CFBA7C-96DA-4B24-8E96-71EB1A4787BD}"/>
+              </a:ext>
+            </a:extLst>
+          </p:cNvPr>
+          <p:cNvPicPr>
+            <a:picLocks noChangeAspect="1"/>
+          </p:cNvPicPr>
+          <p:nvPr/>
+        </p:nvPicPr>
+        <p:blipFill>
+          <a:blip r:embed="rId2"/>
+          <a:stretch>
+            <a:fillRect/>
+          </a:stretch>
+        </p:blipFill>
+        <p:spPr>
+          <a:xfrm>
+            <a:off x="6776842" y="2325177"/>
+            <a:ext cx="4665811" cy="3750556"/>
+          </a:xfrm>
+          <a:prstGeom prst="rect">
+            <a:avLst/>
+          </a:prstGeom>
+        </p:spPr>
+      </p:pic>
+      <p:pic>
+        <p:nvPicPr>
+          <p:cNvPr id="14" name="Imagen 13">
+            <a:extLst>
+              <a:ext uri="{FF2B5EF4-FFF2-40B4-BE49-F238E27FC236}">
+                <a16:creationId xmlns:a16="http://schemas.microsoft.com/office/drawing/2014/main" id="{76EB35E0-465B-4400-81F7-036CA52EC0DB}"/>
+              </a:ext>
+            </a:extLst>
+          </p:cNvPr>
+          <p:cNvPicPr>
+            <a:picLocks noChangeAspect="1"/>
+          </p:cNvPicPr>
+          <p:nvPr/>
+        </p:nvPicPr>
+        <p:blipFill>
+          <a:blip r:embed="rId3"/>
+          <a:stretch>
+            <a:fillRect/>
+          </a:stretch>
+        </p:blipFill>
+        <p:spPr>
+          <a:xfrm>
+            <a:off x="1239067" y="2479445"/>
+            <a:ext cx="4476750" cy="3600450"/>
+          </a:xfrm>
+          <a:prstGeom prst="rect">
+            <a:avLst/>
+          </a:prstGeom>
+        </p:spPr>
+      </p:pic>
+    </p:spTree>
+    <p:extLst>
+      <p:ext uri="{BB962C8B-B14F-4D97-AF65-F5344CB8AC3E}">
+        <p14:creationId xmlns:p14="http://schemas.microsoft.com/office/powerpoint/2010/main" val="1967670935"/>
+      </p:ext>
+    </p:extLst>
+  </p:cSld>
+  <p:clrMapOvr>
+    <a:masterClrMapping/>
+  </p:clrMapOvr>
+</p:sld>
+</file>
+
+<file path=ppt/slides/slide21.xml><?xml version="1.0" encoding="utf-8"?>
+<p:sld xmlns:a="http://schemas.openxmlformats.org/drawingml/2006/main" xmlns:r="http://schemas.openxmlformats.org/officeDocument/2006/relationships" xmlns:p="http://schemas.openxmlformats.org/presentationml/2006/main">
+  <p:cSld>
+    <p:spTree>
+      <p:nvGrpSpPr>
+        <p:cNvPr id="1" name=""/>
+        <p:cNvGrpSpPr/>
+        <p:nvPr/>
+      </p:nvGrpSpPr>
+      <p:grpSpPr>
+        <a:xfrm>
+          <a:off x="0" y="0"/>
+          <a:ext cx="0" cy="0"/>
+          <a:chOff x="0" y="0"/>
+          <a:chExt cx="0" cy="0"/>
+        </a:xfrm>
+      </p:grpSpPr>
+      <p:sp>
+        <p:nvSpPr>
+          <p:cNvPr id="3" name="Título 1">
+            <a:extLst>
+              <a:ext uri="{FF2B5EF4-FFF2-40B4-BE49-F238E27FC236}">
+                <a16:creationId xmlns:a16="http://schemas.microsoft.com/office/drawing/2014/main" id="{7D47CF6A-AFB5-9B6D-F53B-F3CC537CB6C1}"/>
+              </a:ext>
+            </a:extLst>
+          </p:cNvPr>
+          <p:cNvSpPr txBox="1">
+            <a:spLocks/>
+          </p:cNvSpPr>
+          <p:nvPr/>
+        </p:nvSpPr>
+        <p:spPr>
+          <a:xfrm>
+            <a:off x="222922" y="229856"/>
+            <a:ext cx="11252200" cy="640715"/>
+          </a:xfrm>
+          <a:prstGeom prst="rect">
+            <a:avLst/>
+          </a:prstGeom>
+        </p:spPr>
+        <p:txBody>
+          <a:bodyPr/>
+          <a:lstStyle>
+            <a:lvl1pPr algn="l" defTabSz="914400" rtl="0" eaLnBrk="1" latinLnBrk="0" hangingPunct="1">
+              <a:lnSpc>
+                <a:spcPct val="90000"/>
+              </a:lnSpc>
+              <a:spcBef>
+                <a:spcPct val="0"/>
+              </a:spcBef>
+              <a:buNone/>
+              <a:defRPr sz="4400" kern="1200">
+                <a:solidFill>
+                  <a:schemeClr val="tx1"/>
+                </a:solidFill>
+                <a:latin typeface="+mj-lt"/>
+                <a:ea typeface="+mj-ea"/>
+                <a:cs typeface="+mj-cs"/>
+              </a:defRPr>
+            </a:lvl1pPr>
+          </a:lstStyle>
+          <a:p>
+            <a:r>
+              <a:rPr lang="es-CO" sz="4000" dirty="0"/>
+              <a:t>KNN</a:t>
+            </a:r>
+          </a:p>
+        </p:txBody>
+      </p:sp>
+      <p:sp>
+        <p:nvSpPr>
+          <p:cNvPr id="4" name="TextBox 3">
+            <a:extLst>
+              <a:ext uri="{FF2B5EF4-FFF2-40B4-BE49-F238E27FC236}">
+                <a16:creationId xmlns:a16="http://schemas.microsoft.com/office/drawing/2014/main" id="{53A1716B-3977-2919-6710-44DBC7C30EA5}"/>
+              </a:ext>
+            </a:extLst>
+          </p:cNvPr>
+          <p:cNvSpPr txBox="1"/>
+          <p:nvPr/>
+        </p:nvSpPr>
+        <p:spPr>
+          <a:xfrm>
+            <a:off x="598050" y="910357"/>
+            <a:ext cx="5088380" cy="923330"/>
+          </a:xfrm>
+          <a:prstGeom prst="rect">
+            <a:avLst/>
+          </a:prstGeom>
+          <a:noFill/>
+        </p:spPr>
+        <p:txBody>
+          <a:bodyPr wrap="square" rtlCol="0">
+            <a:spAutoFit/>
+          </a:bodyPr>
+          <a:lstStyle/>
+          <a:p>
+            <a:pPr algn="ctr"/>
+            <a:r>
+              <a:rPr lang="en-US" b="1" dirty="0" err="1"/>
+              <a:t>Hiperparametro</a:t>
+            </a:r>
+            <a:endParaRPr lang="en-US" b="1" dirty="0"/>
+          </a:p>
+          <a:p>
+            <a:pPr algn="ctr"/>
+            <a:r>
+              <a:rPr lang="en-US" b="1" dirty="0"/>
+              <a:t>      </a:t>
+            </a:r>
+            <a:r>
+              <a:rPr lang="en-US" b="1" u="sng" dirty="0"/>
+              <a:t>TODOS LOS DATOS (Sin </a:t>
+            </a:r>
+            <a:r>
+              <a:rPr lang="en-US" b="1" u="sng" dirty="0" err="1"/>
+              <a:t>Estandarización</a:t>
+            </a:r>
+            <a:r>
+              <a:rPr lang="en-US" b="1" u="sng" dirty="0"/>
+              <a:t>)</a:t>
+            </a:r>
+          </a:p>
+          <a:p>
+            <a:endParaRPr lang="en-US" b="1" dirty="0"/>
+          </a:p>
+        </p:txBody>
+      </p:sp>
+      <p:sp>
+        <p:nvSpPr>
+          <p:cNvPr id="11" name="CuadroTexto 10">
+            <a:extLst>
+              <a:ext uri="{FF2B5EF4-FFF2-40B4-BE49-F238E27FC236}">
+                <a16:creationId xmlns:a16="http://schemas.microsoft.com/office/drawing/2014/main" id="{A6E57B31-226E-71D7-4F03-EE5E96B78CF3}"/>
+              </a:ext>
+            </a:extLst>
+          </p:cNvPr>
+          <p:cNvSpPr txBox="1"/>
+          <p:nvPr/>
+        </p:nvSpPr>
+        <p:spPr>
+          <a:xfrm>
+            <a:off x="6505571" y="859050"/>
+            <a:ext cx="5588203" cy="646331"/>
+          </a:xfrm>
+          <a:prstGeom prst="rect">
+            <a:avLst/>
+          </a:prstGeom>
+          <a:noFill/>
+        </p:spPr>
+        <p:txBody>
+          <a:bodyPr wrap="square">
+            <a:spAutoFit/>
+          </a:bodyPr>
+          <a:lstStyle/>
+          <a:p>
+            <a:pPr algn="ctr"/>
+            <a:r>
+              <a:rPr lang="en-US" b="1" u="sng" dirty="0" err="1"/>
+              <a:t>Hiperparametro</a:t>
+            </a:r>
+            <a:endParaRPr lang="en-US" b="1" u="sng" dirty="0"/>
+          </a:p>
+          <a:p>
+            <a:pPr algn="ctr"/>
+            <a:r>
+              <a:rPr lang="en-US" b="1" u="sng" dirty="0"/>
+              <a:t>TODOS LOS DATOS (</a:t>
+            </a:r>
+            <a:r>
+              <a:rPr lang="en-US" b="1" u="sng" dirty="0" err="1"/>
+              <a:t>Estandarizados</a:t>
+            </a:r>
+            <a:r>
+              <a:rPr lang="en-US" b="1" u="sng" dirty="0"/>
+              <a:t>)</a:t>
+            </a:r>
+          </a:p>
+        </p:txBody>
+      </p:sp>
+      <p:sp>
+        <p:nvSpPr>
+          <p:cNvPr id="15" name="CuadroTexto 14">
+            <a:extLst>
+              <a:ext uri="{FF2B5EF4-FFF2-40B4-BE49-F238E27FC236}">
+                <a16:creationId xmlns:a16="http://schemas.microsoft.com/office/drawing/2014/main" id="{DD367D12-4192-9AC8-EF6C-6450CBCD2DB3}"/>
+              </a:ext>
+            </a:extLst>
+          </p:cNvPr>
+          <p:cNvSpPr txBox="1"/>
+          <p:nvPr/>
+        </p:nvSpPr>
+        <p:spPr>
+          <a:xfrm>
+            <a:off x="2253375" y="1785906"/>
+            <a:ext cx="1777729" cy="646331"/>
+          </a:xfrm>
+          <a:prstGeom prst="rect">
+            <a:avLst/>
+          </a:prstGeom>
+          <a:noFill/>
+        </p:spPr>
+        <p:txBody>
+          <a:bodyPr wrap="square">
+            <a:spAutoFit/>
+          </a:bodyPr>
+          <a:lstStyle/>
+          <a:p>
+            <a:pPr algn="ctr"/>
+            <a:r>
+              <a:rPr lang="en-US" dirty="0" err="1"/>
+              <a:t>Hyp</a:t>
+            </a:r>
+            <a:r>
+              <a:rPr lang="en-US" dirty="0"/>
+              <a:t> : 1 </a:t>
+            </a:r>
+          </a:p>
+          <a:p>
+            <a:pPr algn="ctr"/>
+            <a:r>
+              <a:rPr lang="en-US" dirty="0"/>
+              <a:t>Recall: 0.93</a:t>
+            </a:r>
+          </a:p>
+        </p:txBody>
+      </p:sp>
+      <p:sp>
+        <p:nvSpPr>
+          <p:cNvPr id="16" name="CuadroTexto 15">
+            <a:extLst>
+              <a:ext uri="{FF2B5EF4-FFF2-40B4-BE49-F238E27FC236}">
+                <a16:creationId xmlns:a16="http://schemas.microsoft.com/office/drawing/2014/main" id="{B8DFCE2E-8947-69E3-4014-45983FFE2179}"/>
+              </a:ext>
+            </a:extLst>
+          </p:cNvPr>
+          <p:cNvSpPr txBox="1"/>
+          <p:nvPr/>
+        </p:nvSpPr>
+        <p:spPr>
+          <a:xfrm>
+            <a:off x="8160898" y="1824384"/>
+            <a:ext cx="1777729" cy="646331"/>
+          </a:xfrm>
+          <a:prstGeom prst="rect">
+            <a:avLst/>
+          </a:prstGeom>
+          <a:noFill/>
+        </p:spPr>
+        <p:txBody>
+          <a:bodyPr wrap="square">
+            <a:spAutoFit/>
+          </a:bodyPr>
+          <a:lstStyle/>
+          <a:p>
+            <a:pPr algn="ctr"/>
+            <a:r>
+              <a:rPr lang="en-US" dirty="0" err="1"/>
+              <a:t>Hyp</a:t>
+            </a:r>
+            <a:r>
+              <a:rPr lang="en-US" dirty="0"/>
+              <a:t> : 1 </a:t>
+            </a:r>
+          </a:p>
+          <a:p>
+            <a:pPr algn="ctr"/>
+            <a:r>
+              <a:rPr lang="en-US" dirty="0"/>
+              <a:t>Recall: 0.65</a:t>
+            </a:r>
+          </a:p>
+        </p:txBody>
+      </p:sp>
+      <p:pic>
+        <p:nvPicPr>
+          <p:cNvPr id="6" name="Imagen 5">
+            <a:extLst>
+              <a:ext uri="{FF2B5EF4-FFF2-40B4-BE49-F238E27FC236}">
+                <a16:creationId xmlns:a16="http://schemas.microsoft.com/office/drawing/2014/main" id="{F5FEA2C1-F7B8-49AD-8762-BA997618CF3D}"/>
+              </a:ext>
+            </a:extLst>
+          </p:cNvPr>
+          <p:cNvPicPr>
+            <a:picLocks noChangeAspect="1"/>
+          </p:cNvPicPr>
+          <p:nvPr/>
+        </p:nvPicPr>
+        <p:blipFill>
+          <a:blip r:embed="rId2"/>
+          <a:stretch>
+            <a:fillRect/>
+          </a:stretch>
+        </p:blipFill>
+        <p:spPr>
+          <a:xfrm>
+            <a:off x="1080878" y="2709236"/>
+            <a:ext cx="3872635" cy="2904476"/>
+          </a:xfrm>
+          <a:prstGeom prst="rect">
+            <a:avLst/>
+          </a:prstGeom>
+        </p:spPr>
+      </p:pic>
+      <p:pic>
+        <p:nvPicPr>
+          <p:cNvPr id="9" name="Imagen 8">
+            <a:extLst>
+              <a:ext uri="{FF2B5EF4-FFF2-40B4-BE49-F238E27FC236}">
+                <a16:creationId xmlns:a16="http://schemas.microsoft.com/office/drawing/2014/main" id="{FD1AF73C-CFB6-42C3-A90D-342CCCA4F393}"/>
+              </a:ext>
+            </a:extLst>
+          </p:cNvPr>
+          <p:cNvPicPr>
+            <a:picLocks noChangeAspect="1"/>
+          </p:cNvPicPr>
+          <p:nvPr/>
+        </p:nvPicPr>
+        <p:blipFill>
+          <a:blip r:embed="rId3"/>
+          <a:stretch>
+            <a:fillRect/>
+          </a:stretch>
+        </p:blipFill>
+        <p:spPr>
+          <a:xfrm>
+            <a:off x="2030531" y="5826651"/>
+            <a:ext cx="2000573" cy="662610"/>
+          </a:xfrm>
+          <a:prstGeom prst="rect">
+            <a:avLst/>
+          </a:prstGeom>
+        </p:spPr>
+      </p:pic>
+      <p:pic>
+        <p:nvPicPr>
+          <p:cNvPr id="18" name="Imagen 17">
+            <a:extLst>
+              <a:ext uri="{FF2B5EF4-FFF2-40B4-BE49-F238E27FC236}">
+                <a16:creationId xmlns:a16="http://schemas.microsoft.com/office/drawing/2014/main" id="{86D424DD-66E1-4BD6-98ED-EBC714BED4F9}"/>
+              </a:ext>
+            </a:extLst>
+          </p:cNvPr>
+          <p:cNvPicPr>
+            <a:picLocks noChangeAspect="1"/>
+          </p:cNvPicPr>
+          <p:nvPr/>
+        </p:nvPicPr>
+        <p:blipFill>
+          <a:blip r:embed="rId4"/>
+          <a:stretch>
+            <a:fillRect/>
+          </a:stretch>
+        </p:blipFill>
+        <p:spPr>
+          <a:xfrm>
+            <a:off x="6997513" y="2782360"/>
+            <a:ext cx="3872634" cy="2831352"/>
+          </a:xfrm>
+          <a:prstGeom prst="rect">
+            <a:avLst/>
+          </a:prstGeom>
+        </p:spPr>
+      </p:pic>
+      <p:pic>
+        <p:nvPicPr>
+          <p:cNvPr id="20" name="Imagen 19">
+            <a:extLst>
+              <a:ext uri="{FF2B5EF4-FFF2-40B4-BE49-F238E27FC236}">
+                <a16:creationId xmlns:a16="http://schemas.microsoft.com/office/drawing/2014/main" id="{E8EF3290-F9DC-4E01-9A9A-E3B8C2895EB1}"/>
+              </a:ext>
+            </a:extLst>
+          </p:cNvPr>
+          <p:cNvPicPr>
+            <a:picLocks noChangeAspect="1"/>
+          </p:cNvPicPr>
+          <p:nvPr/>
+        </p:nvPicPr>
+        <p:blipFill>
+          <a:blip r:embed="rId5"/>
+          <a:stretch>
+            <a:fillRect/>
+          </a:stretch>
+        </p:blipFill>
+        <p:spPr>
+          <a:xfrm>
+            <a:off x="8329505" y="5839075"/>
+            <a:ext cx="2000573" cy="650186"/>
+          </a:xfrm>
+          <a:prstGeom prst="rect">
+            <a:avLst/>
+          </a:prstGeom>
+        </p:spPr>
+      </p:pic>
+    </p:spTree>
+    <p:extLst>
+      <p:ext uri="{BB962C8B-B14F-4D97-AF65-F5344CB8AC3E}">
+        <p14:creationId xmlns:p14="http://schemas.microsoft.com/office/powerpoint/2010/main" val="1402079783"/>
+      </p:ext>
+    </p:extLst>
+  </p:cSld>
+  <p:clrMapOvr>
+    <a:masterClrMapping/>
+  </p:clrMapOvr>
+</p:sld>
+</file>
+
+<file path=ppt/slides/slide22.xml><?xml version="1.0" encoding="utf-8"?>
+<p:sld xmlns:a="http://schemas.openxmlformats.org/drawingml/2006/main" xmlns:r="http://schemas.openxmlformats.org/officeDocument/2006/relationships" xmlns:p="http://schemas.openxmlformats.org/presentationml/2006/main">
+  <p:cSld>
+    <p:spTree>
+      <p:nvGrpSpPr>
+        <p:cNvPr id="1" name=""/>
+        <p:cNvGrpSpPr/>
+        <p:nvPr/>
+      </p:nvGrpSpPr>
+      <p:grpSpPr>
+        <a:xfrm>
+          <a:off x="0" y="0"/>
+          <a:ext cx="0" cy="0"/>
+          <a:chOff x="0" y="0"/>
+          <a:chExt cx="0" cy="0"/>
+        </a:xfrm>
+      </p:grpSpPr>
+      <p:sp>
+        <p:nvSpPr>
+          <p:cNvPr id="3" name="Título 1">
+            <a:extLst>
+              <a:ext uri="{FF2B5EF4-FFF2-40B4-BE49-F238E27FC236}">
+                <a16:creationId xmlns:a16="http://schemas.microsoft.com/office/drawing/2014/main" id="{7D47CF6A-AFB5-9B6D-F53B-F3CC537CB6C1}"/>
+              </a:ext>
+            </a:extLst>
+          </p:cNvPr>
+          <p:cNvSpPr txBox="1">
+            <a:spLocks/>
+          </p:cNvSpPr>
+          <p:nvPr/>
+        </p:nvSpPr>
+        <p:spPr>
+          <a:xfrm>
+            <a:off x="222922" y="229856"/>
+            <a:ext cx="11252200" cy="640715"/>
+          </a:xfrm>
+          <a:prstGeom prst="rect">
+            <a:avLst/>
+          </a:prstGeom>
+        </p:spPr>
+        <p:txBody>
+          <a:bodyPr/>
+          <a:lstStyle>
+            <a:lvl1pPr algn="l" defTabSz="914400" rtl="0" eaLnBrk="1" latinLnBrk="0" hangingPunct="1">
+              <a:lnSpc>
+                <a:spcPct val="90000"/>
+              </a:lnSpc>
+              <a:spcBef>
+                <a:spcPct val="0"/>
+              </a:spcBef>
+              <a:buNone/>
+              <a:defRPr sz="4400" kern="1200">
+                <a:solidFill>
+                  <a:schemeClr val="tx1"/>
+                </a:solidFill>
+                <a:latin typeface="+mj-lt"/>
+                <a:ea typeface="+mj-ea"/>
+                <a:cs typeface="+mj-cs"/>
+              </a:defRPr>
+            </a:lvl1pPr>
+          </a:lstStyle>
+          <a:p>
+            <a:r>
+              <a:rPr lang="es-CO" sz="4000" dirty="0"/>
+              <a:t>KNN</a:t>
+            </a:r>
+          </a:p>
+        </p:txBody>
+      </p:sp>
+      <p:sp>
+        <p:nvSpPr>
+          <p:cNvPr id="4" name="TextBox 3">
+            <a:extLst>
+              <a:ext uri="{FF2B5EF4-FFF2-40B4-BE49-F238E27FC236}">
+                <a16:creationId xmlns:a16="http://schemas.microsoft.com/office/drawing/2014/main" id="{53A1716B-3977-2919-6710-44DBC7C30EA5}"/>
+              </a:ext>
+            </a:extLst>
+          </p:cNvPr>
+          <p:cNvSpPr txBox="1"/>
+          <p:nvPr/>
+        </p:nvSpPr>
+        <p:spPr>
+          <a:xfrm>
+            <a:off x="598050" y="910357"/>
+            <a:ext cx="5088380" cy="923330"/>
+          </a:xfrm>
+          <a:prstGeom prst="rect">
+            <a:avLst/>
+          </a:prstGeom>
+          <a:noFill/>
+        </p:spPr>
+        <p:txBody>
+          <a:bodyPr wrap="square" rtlCol="0">
+            <a:spAutoFit/>
+          </a:bodyPr>
+          <a:lstStyle/>
+          <a:p>
+            <a:pPr algn="ctr"/>
+            <a:r>
+              <a:rPr lang="en-US" b="1" dirty="0" err="1"/>
+              <a:t>Hiperparámetro</a:t>
+            </a:r>
+            <a:endParaRPr lang="en-US" b="1" dirty="0"/>
+          </a:p>
+          <a:p>
+            <a:pPr algn="ctr"/>
+            <a:r>
+              <a:rPr lang="en-US" b="1" dirty="0"/>
+              <a:t>      </a:t>
+            </a:r>
+            <a:r>
+              <a:rPr lang="en-US" b="1" u="sng" dirty="0"/>
+              <a:t>TODOS LOS DATOS (Sin </a:t>
+            </a:r>
+            <a:r>
+              <a:rPr lang="en-US" b="1" u="sng" dirty="0" err="1"/>
+              <a:t>Estandarización</a:t>
+            </a:r>
+            <a:r>
+              <a:rPr lang="en-US" b="1" u="sng" dirty="0"/>
+              <a:t>)</a:t>
+            </a:r>
+          </a:p>
+          <a:p>
+            <a:endParaRPr lang="en-US" b="1" dirty="0"/>
+          </a:p>
+        </p:txBody>
+      </p:sp>
+      <p:sp>
+        <p:nvSpPr>
+          <p:cNvPr id="11" name="CuadroTexto 10">
+            <a:extLst>
+              <a:ext uri="{FF2B5EF4-FFF2-40B4-BE49-F238E27FC236}">
+                <a16:creationId xmlns:a16="http://schemas.microsoft.com/office/drawing/2014/main" id="{A6E57B31-226E-71D7-4F03-EE5E96B78CF3}"/>
+              </a:ext>
+            </a:extLst>
+          </p:cNvPr>
+          <p:cNvSpPr txBox="1"/>
+          <p:nvPr/>
+        </p:nvSpPr>
+        <p:spPr>
+          <a:xfrm>
+            <a:off x="6505571" y="859050"/>
+            <a:ext cx="5588203" cy="646331"/>
+          </a:xfrm>
+          <a:prstGeom prst="rect">
+            <a:avLst/>
+          </a:prstGeom>
+          <a:noFill/>
+        </p:spPr>
+        <p:txBody>
+          <a:bodyPr wrap="square">
+            <a:spAutoFit/>
+          </a:bodyPr>
+          <a:lstStyle/>
+          <a:p>
+            <a:pPr algn="ctr"/>
+            <a:r>
+              <a:rPr lang="en-US" b="1" u="sng" dirty="0" err="1"/>
+              <a:t>Hiperparámetro</a:t>
+            </a:r>
+            <a:endParaRPr lang="en-US" b="1" u="sng" dirty="0"/>
+          </a:p>
+          <a:p>
+            <a:pPr algn="ctr"/>
+            <a:r>
+              <a:rPr lang="en-US" b="1" u="sng" dirty="0"/>
+              <a:t>TODOS LOS DATOS (</a:t>
+            </a:r>
+            <a:r>
+              <a:rPr lang="en-US" b="1" u="sng" dirty="0" err="1"/>
+              <a:t>Cross_validation</a:t>
+            </a:r>
+            <a:r>
+              <a:rPr lang="en-US" b="1" u="sng" dirty="0"/>
+              <a:t>)</a:t>
+            </a:r>
+          </a:p>
+        </p:txBody>
+      </p:sp>
+      <p:sp>
+        <p:nvSpPr>
+          <p:cNvPr id="15" name="CuadroTexto 14">
+            <a:extLst>
+              <a:ext uri="{FF2B5EF4-FFF2-40B4-BE49-F238E27FC236}">
+                <a16:creationId xmlns:a16="http://schemas.microsoft.com/office/drawing/2014/main" id="{DD367D12-4192-9AC8-EF6C-6450CBCD2DB3}"/>
+              </a:ext>
+            </a:extLst>
+          </p:cNvPr>
+          <p:cNvSpPr txBox="1"/>
+          <p:nvPr/>
+        </p:nvSpPr>
+        <p:spPr>
+          <a:xfrm>
+            <a:off x="2253375" y="1785906"/>
+            <a:ext cx="1777729" cy="369332"/>
+          </a:xfrm>
+          <a:prstGeom prst="rect">
+            <a:avLst/>
+          </a:prstGeom>
+          <a:noFill/>
+        </p:spPr>
+        <p:txBody>
+          <a:bodyPr wrap="square">
+            <a:spAutoFit/>
+          </a:bodyPr>
+          <a:lstStyle/>
+          <a:p>
+            <a:pPr algn="ctr"/>
+            <a:r>
+              <a:rPr lang="en-US" dirty="0" err="1"/>
+              <a:t>Hyp</a:t>
+            </a:r>
+            <a:r>
+              <a:rPr lang="en-US" dirty="0"/>
+              <a:t> : 1 </a:t>
+            </a:r>
+          </a:p>
+        </p:txBody>
+      </p:sp>
+      <p:sp>
+        <p:nvSpPr>
+          <p:cNvPr id="16" name="CuadroTexto 15">
+            <a:extLst>
+              <a:ext uri="{FF2B5EF4-FFF2-40B4-BE49-F238E27FC236}">
+                <a16:creationId xmlns:a16="http://schemas.microsoft.com/office/drawing/2014/main" id="{B8DFCE2E-8947-69E3-4014-45983FFE2179}"/>
+              </a:ext>
+            </a:extLst>
+          </p:cNvPr>
+          <p:cNvSpPr txBox="1"/>
+          <p:nvPr/>
+        </p:nvSpPr>
+        <p:spPr>
+          <a:xfrm>
+            <a:off x="8160898" y="1645643"/>
+            <a:ext cx="1777729" cy="369332"/>
+          </a:xfrm>
+          <a:prstGeom prst="rect">
+            <a:avLst/>
+          </a:prstGeom>
+          <a:noFill/>
+        </p:spPr>
+        <p:txBody>
+          <a:bodyPr wrap="square">
+            <a:spAutoFit/>
+          </a:bodyPr>
+          <a:lstStyle/>
+          <a:p>
+            <a:pPr algn="ctr"/>
+            <a:r>
+              <a:rPr lang="en-US" dirty="0" err="1"/>
+              <a:t>Hyp</a:t>
+            </a:r>
+            <a:r>
+              <a:rPr lang="en-US" dirty="0"/>
+              <a:t> : 1</a:t>
+            </a:r>
+          </a:p>
+        </p:txBody>
+      </p:sp>
+      <p:pic>
+        <p:nvPicPr>
+          <p:cNvPr id="5" name="Imagen 4">
+            <a:extLst>
+              <a:ext uri="{FF2B5EF4-FFF2-40B4-BE49-F238E27FC236}">
+                <a16:creationId xmlns:a16="http://schemas.microsoft.com/office/drawing/2014/main" id="{E20D057C-E5E0-4213-BC29-B37D298B4A8D}"/>
+              </a:ext>
+            </a:extLst>
+          </p:cNvPr>
+          <p:cNvPicPr>
+            <a:picLocks noChangeAspect="1"/>
+          </p:cNvPicPr>
+          <p:nvPr/>
+        </p:nvPicPr>
+        <p:blipFill>
+          <a:blip r:embed="rId2"/>
+          <a:stretch>
+            <a:fillRect/>
+          </a:stretch>
+        </p:blipFill>
+        <p:spPr>
+          <a:xfrm>
+            <a:off x="1321853" y="2592651"/>
+            <a:ext cx="3749584" cy="2781223"/>
+          </a:xfrm>
+          <a:prstGeom prst="rect">
+            <a:avLst/>
+          </a:prstGeom>
+        </p:spPr>
+      </p:pic>
+      <p:pic>
+        <p:nvPicPr>
+          <p:cNvPr id="14" name="Imagen 13">
+            <a:extLst>
+              <a:ext uri="{FF2B5EF4-FFF2-40B4-BE49-F238E27FC236}">
+                <a16:creationId xmlns:a16="http://schemas.microsoft.com/office/drawing/2014/main" id="{2F036D37-918B-4EDD-8E1E-FB2FBC3237DB}"/>
+              </a:ext>
+            </a:extLst>
+          </p:cNvPr>
+          <p:cNvPicPr>
+            <a:picLocks noChangeAspect="1"/>
+          </p:cNvPicPr>
+          <p:nvPr/>
+        </p:nvPicPr>
+        <p:blipFill>
+          <a:blip r:embed="rId3"/>
+          <a:stretch>
+            <a:fillRect/>
+          </a:stretch>
+        </p:blipFill>
+        <p:spPr>
+          <a:xfrm>
+            <a:off x="7019721" y="2432237"/>
+            <a:ext cx="4085601" cy="2968985"/>
+          </a:xfrm>
+          <a:prstGeom prst="rect">
+            <a:avLst/>
+          </a:prstGeom>
+        </p:spPr>
+      </p:pic>
+      <p:pic>
+        <p:nvPicPr>
+          <p:cNvPr id="19" name="Imagen 18">
+            <a:extLst>
+              <a:ext uri="{FF2B5EF4-FFF2-40B4-BE49-F238E27FC236}">
+                <a16:creationId xmlns:a16="http://schemas.microsoft.com/office/drawing/2014/main" id="{093DF04E-C1B3-45E9-BB1E-54A499CA052F}"/>
+              </a:ext>
+            </a:extLst>
+          </p:cNvPr>
+          <p:cNvPicPr>
+            <a:picLocks noChangeAspect="1"/>
+          </p:cNvPicPr>
+          <p:nvPr/>
+        </p:nvPicPr>
+        <p:blipFill>
+          <a:blip r:embed="rId4"/>
+          <a:stretch>
+            <a:fillRect/>
+          </a:stretch>
+        </p:blipFill>
+        <p:spPr>
+          <a:xfrm>
+            <a:off x="3877133" y="5847088"/>
+            <a:ext cx="4191000" cy="571500"/>
+          </a:xfrm>
+          <a:prstGeom prst="rect">
+            <a:avLst/>
+          </a:prstGeom>
+        </p:spPr>
+      </p:pic>
+    </p:spTree>
+    <p:extLst>
+      <p:ext uri="{BB962C8B-B14F-4D97-AF65-F5344CB8AC3E}">
+        <p14:creationId xmlns:p14="http://schemas.microsoft.com/office/powerpoint/2010/main" val="837410839"/>
+      </p:ext>
+    </p:extLst>
+  </p:cSld>
+  <p:clrMapOvr>
+    <a:masterClrMapping/>
+  </p:clrMapOvr>
+</p:sld>
+</file>
+
+<file path=ppt/slides/slide23.xml><?xml version="1.0" encoding="utf-8"?>
+<p:sld xmlns:a="http://schemas.openxmlformats.org/drawingml/2006/main" xmlns:r="http://schemas.openxmlformats.org/officeDocument/2006/relationships" xmlns:p="http://schemas.openxmlformats.org/presentationml/2006/main">
+  <p:cSld>
+    <p:spTree>
+      <p:nvGrpSpPr>
+        <p:cNvPr id="1" name=""/>
+        <p:cNvGrpSpPr/>
+        <p:nvPr/>
+      </p:nvGrpSpPr>
+      <p:grpSpPr>
+        <a:xfrm>
+          <a:off x="0" y="0"/>
+          <a:ext cx="0" cy="0"/>
+          <a:chOff x="0" y="0"/>
+          <a:chExt cx="0" cy="0"/>
+        </a:xfrm>
+      </p:grpSpPr>
+      <p:sp>
+        <p:nvSpPr>
           <p:cNvPr id="2" name="Título 1">
             <a:extLst>
               <a:ext uri="{FF2B5EF4-FFF2-40B4-BE49-F238E27FC236}">
@@ -10519,7 +11676,7 @@
 </p:sld>
 </file>
 
-<file path=ppt/slides/slide21.xml><?xml version="1.0" encoding="utf-8"?>
+<file path=ppt/slides/slide24.xml><?xml version="1.0" encoding="utf-8"?>
 <p:sld xmlns:a="http://schemas.openxmlformats.org/drawingml/2006/main" xmlns:r="http://schemas.openxmlformats.org/officeDocument/2006/relationships" xmlns:p="http://schemas.openxmlformats.org/presentationml/2006/main">
   <p:cSld>
     <p:spTree>
@@ -10671,7 +11828,7 @@
 </p:sld>
 </file>
 
-<file path=ppt/slides/slide22.xml><?xml version="1.0" encoding="utf-8"?>
+<file path=ppt/slides/slide25.xml><?xml version="1.0" encoding="utf-8"?>
 <p:sld xmlns:a="http://schemas.openxmlformats.org/drawingml/2006/main" xmlns:r="http://schemas.openxmlformats.org/officeDocument/2006/relationships" xmlns:p="http://schemas.openxmlformats.org/presentationml/2006/main">
   <p:cSld>
     <p:spTree>
@@ -10895,7 +12052,7 @@
 </p:sld>
 </file>
 
-<file path=ppt/slides/slide23.xml><?xml version="1.0" encoding="utf-8"?>
+<file path=ppt/slides/slide26.xml><?xml version="1.0" encoding="utf-8"?>
 <p:sld xmlns:a="http://schemas.openxmlformats.org/drawingml/2006/main" xmlns:r="http://schemas.openxmlformats.org/officeDocument/2006/relationships" xmlns:p="http://schemas.openxmlformats.org/presentationml/2006/main">
   <p:cSld>
     <p:spTree>
@@ -13108,7 +14265,7 @@
 </p:sld>
 </file>
 
-<file path=ppt/slides/slide24.xml><?xml version="1.0" encoding="utf-8"?>
+<file path=ppt/slides/slide27.xml><?xml version="1.0" encoding="utf-8"?>
 <p:sld xmlns:a="http://schemas.openxmlformats.org/drawingml/2006/main" xmlns:r="http://schemas.openxmlformats.org/officeDocument/2006/relationships" xmlns:p="http://schemas.openxmlformats.org/presentationml/2006/main">
   <p:cSld>
     <p:spTree>

--- a/TP3/TP3_Grupo12.pptx
+++ b/TP3/TP3_Grupo12.pptx
@@ -32,6 +32,8 @@
     <p:sldId id="311" r:id="rId26"/>
     <p:sldId id="307" r:id="rId27"/>
     <p:sldId id="293" r:id="rId28"/>
+    <p:sldId id="315" r:id="rId29"/>
+    <p:sldId id="316" r:id="rId30"/>
   </p:sldIdLst>
   <p:sldSz cx="12192000" cy="6858000"/>
   <p:notesSz cx="6858000" cy="9144000"/>
@@ -142,7 +144,7 @@
 <p1510:revInfo xmlns:a="http://schemas.openxmlformats.org/drawingml/2006/main" xmlns:r="http://schemas.openxmlformats.org/officeDocument/2006/relationships" xmlns:p1510="http://schemas.microsoft.com/office/powerpoint/2015/10/main">
   <p1510:revLst>
     <p1510:client id="{399F4D96-0FF0-45CC-89CC-9982CBE5BBE2}" v="70" dt="2023-01-12T19:02:20.203"/>
-    <p1510:client id="{7F11262A-6660-46AD-B94E-64ABBD109E82}" v="1" dt="2023-01-12T23:34:44.576"/>
+    <p1510:client id="{7F11262A-6660-46AD-B94E-64ABBD109E82}" v="3" dt="2023-01-13T00:20:00.612"/>
   </p1510:revLst>
 </p1510:revInfo>
 </file>
@@ -175,11 +177,57 @@
   </pc:docChgLst>
   <pc:docChgLst>
     <pc:chgData name="Moises Pirela" userId="a07275d2963e6567" providerId="LiveId" clId="{7F11262A-6660-46AD-B94E-64ABBD109E82}"/>
-    <pc:docChg chg="addSld modSld">
-      <pc:chgData name="Moises Pirela" userId="a07275d2963e6567" providerId="LiveId" clId="{7F11262A-6660-46AD-B94E-64ABBD109E82}" dt="2023-01-12T23:35:07.303" v="12" actId="20577"/>
+    <pc:docChg chg="custSel addSld modSld">
+      <pc:chgData name="Moises Pirela" userId="a07275d2963e6567" providerId="LiveId" clId="{7F11262A-6660-46AD-B94E-64ABBD109E82}" dt="2023-01-13T00:26:39.290" v="143" actId="1076"/>
       <pc:docMkLst>
         <pc:docMk/>
       </pc:docMkLst>
+      <pc:sldChg chg="modSp mod">
+        <pc:chgData name="Moises Pirela" userId="a07275d2963e6567" providerId="LiveId" clId="{7F11262A-6660-46AD-B94E-64ABBD109E82}" dt="2023-01-13T00:26:39.290" v="143" actId="1076"/>
+        <pc:sldMkLst>
+          <pc:docMk/>
+          <pc:sldMk cId="3394526084" sldId="256"/>
+        </pc:sldMkLst>
+        <pc:spChg chg="mod">
+          <ac:chgData name="Moises Pirela" userId="a07275d2963e6567" providerId="LiveId" clId="{7F11262A-6660-46AD-B94E-64ABBD109E82}" dt="2023-01-13T00:26:30.237" v="140" actId="14100"/>
+          <ac:spMkLst>
+            <pc:docMk/>
+            <pc:sldMk cId="3394526084" sldId="256"/>
+            <ac:spMk id="2" creationId="{127BB8A0-8514-D4F1-DD11-0C2BB0D0D0BC}"/>
+          </ac:spMkLst>
+        </pc:spChg>
+        <pc:spChg chg="mod">
+          <ac:chgData name="Moises Pirela" userId="a07275d2963e6567" providerId="LiveId" clId="{7F11262A-6660-46AD-B94E-64ABBD109E82}" dt="2023-01-13T00:26:39.290" v="143" actId="1076"/>
+          <ac:spMkLst>
+            <pc:docMk/>
+            <pc:sldMk cId="3394526084" sldId="256"/>
+            <ac:spMk id="3" creationId="{B5B17A00-461D-D84A-A70A-7BC65F547B71}"/>
+          </ac:spMkLst>
+        </pc:spChg>
+        <pc:spChg chg="mod">
+          <ac:chgData name="Moises Pirela" userId="a07275d2963e6567" providerId="LiveId" clId="{7F11262A-6660-46AD-B94E-64ABBD109E82}" dt="2023-01-13T00:23:12.249" v="114" actId="20577"/>
+          <ac:spMkLst>
+            <pc:docMk/>
+            <pc:sldMk cId="3394526084" sldId="256"/>
+            <ac:spMk id="4" creationId="{3FEB5AF9-C409-2136-3F63-0FA455E467F7}"/>
+          </ac:spMkLst>
+        </pc:spChg>
+      </pc:sldChg>
+      <pc:sldChg chg="modSp mod">
+        <pc:chgData name="Moises Pirela" userId="a07275d2963e6567" providerId="LiveId" clId="{7F11262A-6660-46AD-B94E-64ABBD109E82}" dt="2023-01-12T23:55:58.266" v="41" actId="122"/>
+        <pc:sldMkLst>
+          <pc:docMk/>
+          <pc:sldMk cId="1302927980" sldId="292"/>
+        </pc:sldMkLst>
+        <pc:spChg chg="mod">
+          <ac:chgData name="Moises Pirela" userId="a07275d2963e6567" providerId="LiveId" clId="{7F11262A-6660-46AD-B94E-64ABBD109E82}" dt="2023-01-12T23:55:58.266" v="41" actId="122"/>
+          <ac:spMkLst>
+            <pc:docMk/>
+            <pc:sldMk cId="1302927980" sldId="292"/>
+            <ac:spMk id="3" creationId="{1293FA1F-D8E4-6B28-AD35-DBEF4249257B}"/>
+          </ac:spMkLst>
+        </pc:spChg>
+      </pc:sldChg>
       <pc:sldChg chg="modSp add mod">
         <pc:chgData name="Moises Pirela" userId="a07275d2963e6567" providerId="LiveId" clId="{7F11262A-6660-46AD-B94E-64ABBD109E82}" dt="2023-01-12T23:34:51.151" v="4" actId="20577"/>
         <pc:sldMkLst>
@@ -211,13 +259,13 @@
         </pc:spChg>
       </pc:sldChg>
       <pc:sldChg chg="modSp add mod">
-        <pc:chgData name="Moises Pirela" userId="a07275d2963e6567" providerId="LiveId" clId="{7F11262A-6660-46AD-B94E-64ABBD109E82}" dt="2023-01-12T23:35:07.303" v="12" actId="20577"/>
+        <pc:chgData name="Moises Pirela" userId="a07275d2963e6567" providerId="LiveId" clId="{7F11262A-6660-46AD-B94E-64ABBD109E82}" dt="2023-01-13T00:25:47.107" v="137" actId="20577"/>
         <pc:sldMkLst>
           <pc:docMk/>
           <pc:sldMk cId="837410839" sldId="314"/>
         </pc:sldMkLst>
         <pc:spChg chg="mod">
-          <ac:chgData name="Moises Pirela" userId="a07275d2963e6567" providerId="LiveId" clId="{7F11262A-6660-46AD-B94E-64ABBD109E82}" dt="2023-01-12T23:35:07.303" v="12" actId="20577"/>
+          <ac:chgData name="Moises Pirela" userId="a07275d2963e6567" providerId="LiveId" clId="{7F11262A-6660-46AD-B94E-64ABBD109E82}" dt="2023-01-13T00:25:38.011" v="135" actId="20577"/>
           <ac:spMkLst>
             <pc:docMk/>
             <pc:sldMk cId="837410839" sldId="314"/>
@@ -225,11 +273,49 @@
           </ac:spMkLst>
         </pc:spChg>
         <pc:spChg chg="mod">
-          <ac:chgData name="Moises Pirela" userId="a07275d2963e6567" providerId="LiveId" clId="{7F11262A-6660-46AD-B94E-64ABBD109E82}" dt="2023-01-12T23:35:00.749" v="8" actId="20577"/>
+          <ac:chgData name="Moises Pirela" userId="a07275d2963e6567" providerId="LiveId" clId="{7F11262A-6660-46AD-B94E-64ABBD109E82}" dt="2023-01-13T00:25:47.107" v="137" actId="20577"/>
           <ac:spMkLst>
             <pc:docMk/>
             <pc:sldMk cId="837410839" sldId="314"/>
             <ac:spMk id="11" creationId="{A6E57B31-226E-71D7-4F03-EE5E96B78CF3}"/>
+          </ac:spMkLst>
+        </pc:spChg>
+      </pc:sldChg>
+      <pc:sldChg chg="delSp modSp add mod">
+        <pc:chgData name="Moises Pirela" userId="a07275d2963e6567" providerId="LiveId" clId="{7F11262A-6660-46AD-B94E-64ABBD109E82}" dt="2023-01-13T00:00:42.118" v="86" actId="1076"/>
+        <pc:sldMkLst>
+          <pc:docMk/>
+          <pc:sldMk cId="1075891245" sldId="315"/>
+        </pc:sldMkLst>
+        <pc:spChg chg="mod">
+          <ac:chgData name="Moises Pirela" userId="a07275d2963e6567" providerId="LiveId" clId="{7F11262A-6660-46AD-B94E-64ABBD109E82}" dt="2023-01-13T00:00:42.118" v="86" actId="1076"/>
+          <ac:spMkLst>
+            <pc:docMk/>
+            <pc:sldMk cId="1075891245" sldId="315"/>
+            <ac:spMk id="5" creationId="{8A6020E7-C9E2-FC7F-7A7B-D27F9EC84911}"/>
+          </ac:spMkLst>
+        </pc:spChg>
+        <pc:spChg chg="del mod">
+          <ac:chgData name="Moises Pirela" userId="a07275d2963e6567" providerId="LiveId" clId="{7F11262A-6660-46AD-B94E-64ABBD109E82}" dt="2023-01-13T00:00:08.494" v="44" actId="478"/>
+          <ac:spMkLst>
+            <pc:docMk/>
+            <pc:sldMk cId="1075891245" sldId="315"/>
+            <ac:spMk id="9" creationId="{9A027A6F-0F3A-516B-58B8-3DD6E0B6031C}"/>
+          </ac:spMkLst>
+        </pc:spChg>
+      </pc:sldChg>
+      <pc:sldChg chg="modSp add mod">
+        <pc:chgData name="Moises Pirela" userId="a07275d2963e6567" providerId="LiveId" clId="{7F11262A-6660-46AD-B94E-64ABBD109E82}" dt="2023-01-13T00:20:35.197" v="106" actId="1076"/>
+        <pc:sldMkLst>
+          <pc:docMk/>
+          <pc:sldMk cId="1020032168" sldId="316"/>
+        </pc:sldMkLst>
+        <pc:spChg chg="mod">
+          <ac:chgData name="Moises Pirela" userId="a07275d2963e6567" providerId="LiveId" clId="{7F11262A-6660-46AD-B94E-64ABBD109E82}" dt="2023-01-13T00:20:35.197" v="106" actId="1076"/>
+          <ac:spMkLst>
+            <pc:docMk/>
+            <pc:sldMk cId="1020032168" sldId="316"/>
+            <ac:spMk id="5" creationId="{8A6020E7-C9E2-FC7F-7A7B-D27F9EC84911}"/>
           </ac:spMkLst>
         </pc:spChg>
       </pc:sldChg>
@@ -5155,7 +5241,12 @@
             <p:ph type="ctrTitle"/>
           </p:nvPr>
         </p:nvSpPr>
-        <p:spPr/>
+        <p:spPr>
+          <a:xfrm>
+            <a:off x="1524000" y="1750979"/>
+            <a:ext cx="9144000" cy="1758984"/>
+          </a:xfrm>
+        </p:spPr>
         <p:txBody>
           <a:bodyPr/>
           <a:lstStyle/>
@@ -5195,8 +5286,8 @@
         </p:nvSpPr>
         <p:spPr>
           <a:xfrm>
-            <a:off x="8788325" y="3948953"/>
-            <a:ext cx="2914650" cy="2387601"/>
+            <a:off x="8788325" y="4066801"/>
+            <a:ext cx="2914650" cy="1827619"/>
           </a:xfrm>
         </p:spPr>
         <p:txBody>
@@ -5424,7 +5515,7 @@
           <a:p>
             <a:r>
               <a:rPr lang="es-AR" dirty="0"/>
-              <a:t>2023-13-01</a:t>
+              <a:t>2023-01-13</a:t>
             </a:r>
           </a:p>
         </p:txBody>
@@ -6194,7 +6285,7 @@
         <p:spPr>
           <a:xfrm>
             <a:off x="5654482" y="5615383"/>
-            <a:ext cx="6096000" cy="923330"/>
+            <a:ext cx="6096000" cy="646331"/>
           </a:xfrm>
           <a:prstGeom prst="rect">
             <a:avLst/>
@@ -6209,14 +6300,14 @@
           </a:bodyPr>
           <a:lstStyle/>
           <a:p>
-            <a:pPr algn="just"/>
+            <a:pPr algn="ctr"/>
             <a:r>
               <a:rPr lang="es-ES" b="1" dirty="0">
                 <a:solidFill>
                   <a:schemeClr val="bg1"/>
                 </a:solidFill>
               </a:rPr>
-              <a:t>Elimina los “puntos” de distinta clase que sean </a:t>
+              <a:t>Elimina los “puntos” de distinta clase que sean vecinos cercanos (</a:t>
             </a:r>
             <a:r>
               <a:rPr lang="es-ES" b="1" dirty="0" err="1">
@@ -6248,23 +6339,7 @@
                   <a:schemeClr val="bg1"/>
                 </a:solidFill>
               </a:rPr>
-              <a:t> y deja ver mejor el decisión </a:t>
-            </a:r>
-            <a:r>
-              <a:rPr lang="es-ES" b="1" dirty="0" err="1">
-                <a:solidFill>
-                  <a:schemeClr val="bg1"/>
-                </a:solidFill>
-              </a:rPr>
-              <a:t>boundary</a:t>
-            </a:r>
-            <a:r>
-              <a:rPr lang="es-ES" b="1" dirty="0">
-                <a:solidFill>
-                  <a:schemeClr val="bg1"/>
-                </a:solidFill>
-              </a:rPr>
-              <a:t> (la zona limítrofe de las clases)</a:t>
+              <a:t>)</a:t>
             </a:r>
             <a:endParaRPr lang="en-US" b="1" dirty="0">
               <a:solidFill>
@@ -11018,7 +11093,15 @@
             </a:r>
             <a:r>
               <a:rPr lang="en-US" b="1" u="sng" dirty="0"/>
-              <a:t>TODOS LOS DATOS (Sin </a:t>
+              <a:t>Data set </a:t>
+            </a:r>
+            <a:r>
+              <a:rPr lang="en-US" b="1" u="sng" dirty="0" err="1"/>
+              <a:t>Porcentuado</a:t>
+            </a:r>
+            <a:r>
+              <a:rPr lang="en-US" b="1" u="sng" dirty="0"/>
+              <a:t> (Sin </a:t>
             </a:r>
             <a:r>
               <a:rPr lang="en-US" b="1" u="sng" dirty="0" err="1"/>
@@ -11073,7 +11156,15 @@
             <a:pPr algn="ctr"/>
             <a:r>
               <a:rPr lang="en-US" b="1" u="sng" dirty="0"/>
-              <a:t>TODOS LOS DATOS (</a:t>
+              <a:t>Data set </a:t>
+            </a:r>
+            <a:r>
+              <a:rPr lang="en-US" b="1" u="sng" dirty="0" err="1"/>
+              <a:t>Porcentuado</a:t>
+            </a:r>
+            <a:r>
+              <a:rPr lang="en-US" b="1" u="sng" dirty="0"/>
+              <a:t> (</a:t>
             </a:r>
             <a:r>
               <a:rPr lang="en-US" b="1" u="sng" dirty="0" err="1"/>
@@ -14500,6 +14591,179 @@
 </p:sld>
 </file>
 
+<file path=ppt/slides/slide28.xml><?xml version="1.0" encoding="utf-8"?>
+<p:sld xmlns:a="http://schemas.openxmlformats.org/drawingml/2006/main" xmlns:r="http://schemas.openxmlformats.org/officeDocument/2006/relationships" xmlns:p="http://schemas.openxmlformats.org/presentationml/2006/main">
+  <p:cSld>
+    <p:spTree>
+      <p:nvGrpSpPr>
+        <p:cNvPr id="1" name=""/>
+        <p:cNvGrpSpPr/>
+        <p:nvPr/>
+      </p:nvGrpSpPr>
+      <p:grpSpPr>
+        <a:xfrm>
+          <a:off x="0" y="0"/>
+          <a:ext cx="0" cy="0"/>
+          <a:chOff x="0" y="0"/>
+          <a:chExt cx="0" cy="0"/>
+        </a:xfrm>
+      </p:grpSpPr>
+      <p:sp>
+        <p:nvSpPr>
+          <p:cNvPr id="5" name="Título 1">
+            <a:extLst>
+              <a:ext uri="{FF2B5EF4-FFF2-40B4-BE49-F238E27FC236}">
+                <a16:creationId xmlns:a16="http://schemas.microsoft.com/office/drawing/2014/main" id="{8A6020E7-C9E2-FC7F-7A7B-D27F9EC84911}"/>
+              </a:ext>
+            </a:extLst>
+          </p:cNvPr>
+          <p:cNvSpPr txBox="1">
+            <a:spLocks/>
+          </p:cNvSpPr>
+          <p:nvPr/>
+        </p:nvSpPr>
+        <p:spPr>
+          <a:xfrm>
+            <a:off x="1779104" y="2400300"/>
+            <a:ext cx="8189844" cy="2057400"/>
+          </a:xfrm>
+          <a:prstGeom prst="rect">
+            <a:avLst/>
+          </a:prstGeom>
+        </p:spPr>
+        <p:txBody>
+          <a:bodyPr/>
+          <a:lstStyle>
+            <a:lvl1pPr algn="l" defTabSz="914400" rtl="0" eaLnBrk="1" latinLnBrk="0" hangingPunct="1">
+              <a:lnSpc>
+                <a:spcPct val="90000"/>
+              </a:lnSpc>
+              <a:spcBef>
+                <a:spcPct val="0"/>
+              </a:spcBef>
+              <a:buNone/>
+              <a:defRPr sz="4400" kern="1200">
+                <a:solidFill>
+                  <a:schemeClr val="tx1"/>
+                </a:solidFill>
+                <a:latin typeface="+mj-lt"/>
+                <a:ea typeface="+mj-ea"/>
+                <a:cs typeface="+mj-cs"/>
+              </a:defRPr>
+            </a:lvl1pPr>
+          </a:lstStyle>
+          <a:p>
+            <a:pPr algn="ctr"/>
+            <a:r>
+              <a:rPr lang="es-CO" sz="7200" dirty="0"/>
+              <a:t>MUCHAS</a:t>
+            </a:r>
+          </a:p>
+          <a:p>
+            <a:pPr algn="ctr"/>
+            <a:r>
+              <a:rPr lang="es-CO" sz="7200" dirty="0"/>
+              <a:t>GRACIAS</a:t>
+            </a:r>
+          </a:p>
+        </p:txBody>
+      </p:sp>
+    </p:spTree>
+    <p:extLst>
+      <p:ext uri="{BB962C8B-B14F-4D97-AF65-F5344CB8AC3E}">
+        <p14:creationId xmlns:p14="http://schemas.microsoft.com/office/powerpoint/2010/main" val="1075891245"/>
+      </p:ext>
+    </p:extLst>
+  </p:cSld>
+  <p:clrMapOvr>
+    <a:masterClrMapping/>
+  </p:clrMapOvr>
+</p:sld>
+</file>
+
+<file path=ppt/slides/slide29.xml><?xml version="1.0" encoding="utf-8"?>
+<p:sld xmlns:a="http://schemas.openxmlformats.org/drawingml/2006/main" xmlns:r="http://schemas.openxmlformats.org/officeDocument/2006/relationships" xmlns:p="http://schemas.openxmlformats.org/presentationml/2006/main">
+  <p:cSld>
+    <p:spTree>
+      <p:nvGrpSpPr>
+        <p:cNvPr id="1" name=""/>
+        <p:cNvGrpSpPr/>
+        <p:nvPr/>
+      </p:nvGrpSpPr>
+      <p:grpSpPr>
+        <a:xfrm>
+          <a:off x="0" y="0"/>
+          <a:ext cx="0" cy="0"/>
+          <a:chOff x="0" y="0"/>
+          <a:chExt cx="0" cy="0"/>
+        </a:xfrm>
+      </p:grpSpPr>
+      <p:sp>
+        <p:nvSpPr>
+          <p:cNvPr id="5" name="Título 1">
+            <a:extLst>
+              <a:ext uri="{FF2B5EF4-FFF2-40B4-BE49-F238E27FC236}">
+                <a16:creationId xmlns:a16="http://schemas.microsoft.com/office/drawing/2014/main" id="{8A6020E7-C9E2-FC7F-7A7B-D27F9EC84911}"/>
+              </a:ext>
+            </a:extLst>
+          </p:cNvPr>
+          <p:cNvSpPr txBox="1">
+            <a:spLocks/>
+          </p:cNvSpPr>
+          <p:nvPr/>
+        </p:nvSpPr>
+        <p:spPr>
+          <a:xfrm>
+            <a:off x="1888435" y="2661202"/>
+            <a:ext cx="8189844" cy="1535596"/>
+          </a:xfrm>
+          <a:prstGeom prst="rect">
+            <a:avLst/>
+          </a:prstGeom>
+        </p:spPr>
+        <p:txBody>
+          <a:bodyPr/>
+          <a:lstStyle>
+            <a:lvl1pPr algn="l" defTabSz="914400" rtl="0" eaLnBrk="1" latinLnBrk="0" hangingPunct="1">
+              <a:lnSpc>
+                <a:spcPct val="90000"/>
+              </a:lnSpc>
+              <a:spcBef>
+                <a:spcPct val="0"/>
+              </a:spcBef>
+              <a:buNone/>
+              <a:defRPr sz="4400" kern="1200">
+                <a:solidFill>
+                  <a:schemeClr val="tx1"/>
+                </a:solidFill>
+                <a:latin typeface="+mj-lt"/>
+                <a:ea typeface="+mj-ea"/>
+                <a:cs typeface="+mj-cs"/>
+              </a:defRPr>
+            </a:lvl1pPr>
+          </a:lstStyle>
+          <a:p>
+            <a:pPr algn="ctr"/>
+            <a:r>
+              <a:rPr lang="es-CO" sz="9600" dirty="0"/>
+              <a:t>¿Preguntas ?</a:t>
+            </a:r>
+          </a:p>
+        </p:txBody>
+      </p:sp>
+    </p:spTree>
+    <p:extLst>
+      <p:ext uri="{BB962C8B-B14F-4D97-AF65-F5344CB8AC3E}">
+        <p14:creationId xmlns:p14="http://schemas.microsoft.com/office/powerpoint/2010/main" val="1020032168"/>
+      </p:ext>
+    </p:extLst>
+  </p:cSld>
+  <p:clrMapOvr>
+    <a:masterClrMapping/>
+  </p:clrMapOvr>
+</p:sld>
+</file>
+
 <file path=ppt/slides/slide3.xml><?xml version="1.0" encoding="utf-8"?>
 <p:sld xmlns:a="http://schemas.openxmlformats.org/drawingml/2006/main" xmlns:r="http://schemas.openxmlformats.org/officeDocument/2006/relationships" xmlns:p="http://schemas.openxmlformats.org/presentationml/2006/main">
   <p:cSld>
